--- a/template/lyrics-template2.pptx
+++ b/template/lyrics-template2.pptx
@@ -252,7 +252,7 @@
           <a:p>
             <a:fld id="{E03DC316-5099-482B-86A2-D1417585A2F8}" type="datetimeFigureOut">
               <a:rPr lang="ko-KR" altLang="en-US" smtClean="0"/>
-              <a:t>2023-01-17</a:t>
+              <a:t>2023. 1. 20.</a:t>
             </a:fld>
             <a:endParaRPr lang="ko-KR" altLang="en-US"/>
           </a:p>
@@ -422,7 +422,7 @@
           <a:p>
             <a:fld id="{E03DC316-5099-482B-86A2-D1417585A2F8}" type="datetimeFigureOut">
               <a:rPr lang="ko-KR" altLang="en-US" smtClean="0"/>
-              <a:t>2023-01-17</a:t>
+              <a:t>2023. 1. 20.</a:t>
             </a:fld>
             <a:endParaRPr lang="ko-KR" altLang="en-US"/>
           </a:p>
@@ -602,7 +602,7 @@
           <a:p>
             <a:fld id="{E03DC316-5099-482B-86A2-D1417585A2F8}" type="datetimeFigureOut">
               <a:rPr lang="ko-KR" altLang="en-US" smtClean="0"/>
-              <a:t>2023-01-17</a:t>
+              <a:t>2023. 1. 20.</a:t>
             </a:fld>
             <a:endParaRPr lang="ko-KR" altLang="en-US"/>
           </a:p>
@@ -772,7 +772,7 @@
           <a:p>
             <a:fld id="{E03DC316-5099-482B-86A2-D1417585A2F8}" type="datetimeFigureOut">
               <a:rPr lang="ko-KR" altLang="en-US" smtClean="0"/>
-              <a:t>2023-01-17</a:t>
+              <a:t>2023. 1. 20.</a:t>
             </a:fld>
             <a:endParaRPr lang="ko-KR" altLang="en-US"/>
           </a:p>
@@ -1016,7 +1016,7 @@
           <a:p>
             <a:fld id="{E03DC316-5099-482B-86A2-D1417585A2F8}" type="datetimeFigureOut">
               <a:rPr lang="ko-KR" altLang="en-US" smtClean="0"/>
-              <a:t>2023-01-17</a:t>
+              <a:t>2023. 1. 20.</a:t>
             </a:fld>
             <a:endParaRPr lang="ko-KR" altLang="en-US"/>
           </a:p>
@@ -1248,7 +1248,7 @@
           <a:p>
             <a:fld id="{E03DC316-5099-482B-86A2-D1417585A2F8}" type="datetimeFigureOut">
               <a:rPr lang="ko-KR" altLang="en-US" smtClean="0"/>
-              <a:t>2023-01-17</a:t>
+              <a:t>2023. 1. 20.</a:t>
             </a:fld>
             <a:endParaRPr lang="ko-KR" altLang="en-US"/>
           </a:p>
@@ -1615,7 +1615,7 @@
           <a:p>
             <a:fld id="{E03DC316-5099-482B-86A2-D1417585A2F8}" type="datetimeFigureOut">
               <a:rPr lang="ko-KR" altLang="en-US" smtClean="0"/>
-              <a:t>2023-01-17</a:t>
+              <a:t>2023. 1. 20.</a:t>
             </a:fld>
             <a:endParaRPr lang="ko-KR" altLang="en-US"/>
           </a:p>
@@ -1733,7 +1733,7 @@
           <a:p>
             <a:fld id="{E03DC316-5099-482B-86A2-D1417585A2F8}" type="datetimeFigureOut">
               <a:rPr lang="ko-KR" altLang="en-US" smtClean="0"/>
-              <a:t>2023-01-17</a:t>
+              <a:t>2023. 1. 20.</a:t>
             </a:fld>
             <a:endParaRPr lang="ko-KR" altLang="en-US"/>
           </a:p>
@@ -1811,71 +1811,6 @@
           <a:chExt cx="0" cy="0"/>
         </a:xfrm>
       </p:grpSpPr>
-      <p:sp>
-        <p:nvSpPr>
-          <p:cNvPr id="2" name="Date Placeholder 1"/>
-          <p:cNvSpPr>
-            <a:spLocks noGrp="1"/>
-          </p:cNvSpPr>
-          <p:nvPr>
-            <p:ph type="dt" sz="half" idx="10"/>
-          </p:nvPr>
-        </p:nvSpPr>
-        <p:spPr/>
-        <p:txBody>
-          <a:bodyPr/>
-          <a:lstStyle/>
-          <a:p>
-            <a:fld id="{E03DC316-5099-482B-86A2-D1417585A2F8}" type="datetimeFigureOut">
-              <a:rPr lang="ko-KR" altLang="en-US" smtClean="0"/>
-              <a:t>2023-01-17</a:t>
-            </a:fld>
-            <a:endParaRPr lang="ko-KR" altLang="en-US"/>
-          </a:p>
-        </p:txBody>
-      </p:sp>
-      <p:sp>
-        <p:nvSpPr>
-          <p:cNvPr id="3" name="Footer Placeholder 2"/>
-          <p:cNvSpPr>
-            <a:spLocks noGrp="1"/>
-          </p:cNvSpPr>
-          <p:nvPr>
-            <p:ph type="ftr" sz="quarter" idx="11"/>
-          </p:nvPr>
-        </p:nvSpPr>
-        <p:spPr/>
-        <p:txBody>
-          <a:bodyPr/>
-          <a:lstStyle/>
-          <a:p>
-            <a:endParaRPr lang="ko-KR" altLang="en-US"/>
-          </a:p>
-        </p:txBody>
-      </p:sp>
-      <p:sp>
-        <p:nvSpPr>
-          <p:cNvPr id="4" name="Slide Number Placeholder 3"/>
-          <p:cNvSpPr>
-            <a:spLocks noGrp="1"/>
-          </p:cNvSpPr>
-          <p:nvPr>
-            <p:ph type="sldNum" sz="quarter" idx="12"/>
-          </p:nvPr>
-        </p:nvSpPr>
-        <p:spPr/>
-        <p:txBody>
-          <a:bodyPr/>
-          <a:lstStyle/>
-          <a:p>
-            <a:fld id="{441A8BF3-3A0E-423E-BB34-A5BA9FF86880}" type="slidenum">
-              <a:rPr lang="ko-KR" altLang="en-US" smtClean="0"/>
-              <a:t>‹#›</a:t>
-            </a:fld>
-            <a:endParaRPr lang="ko-KR" altLang="en-US"/>
-          </a:p>
-        </p:txBody>
-      </p:sp>
     </p:spTree>
     <p:extLst>
       <p:ext uri="{BB962C8B-B14F-4D97-AF65-F5344CB8AC3E}">
@@ -2105,7 +2040,7 @@
           <a:p>
             <a:fld id="{E03DC316-5099-482B-86A2-D1417585A2F8}" type="datetimeFigureOut">
               <a:rPr lang="ko-KR" altLang="en-US" smtClean="0"/>
-              <a:t>2023-01-17</a:t>
+              <a:t>2023. 1. 20.</a:t>
             </a:fld>
             <a:endParaRPr lang="ko-KR" altLang="en-US"/>
           </a:p>
@@ -2362,7 +2297,7 @@
           <a:p>
             <a:fld id="{E03DC316-5099-482B-86A2-D1417585A2F8}" type="datetimeFigureOut">
               <a:rPr lang="ko-KR" altLang="en-US" smtClean="0"/>
-              <a:t>2023-01-17</a:t>
+              <a:t>2023. 1. 20.</a:t>
             </a:fld>
             <a:endParaRPr lang="ko-KR" altLang="en-US"/>
           </a:p>
@@ -2581,7 +2516,7 @@
           <a:p>
             <a:fld id="{E03DC316-5099-482B-86A2-D1417585A2F8}" type="datetimeFigureOut">
               <a:rPr lang="ko-KR" altLang="en-US" smtClean="0"/>
-              <a:t>2023-01-17</a:t>
+              <a:t>2023. 1. 20.</a:t>
             </a:fld>
             <a:endParaRPr lang="ko-KR" altLang="en-US"/>
           </a:p>
@@ -3096,7 +3031,7 @@
                 <a:latin typeface="DX뷰티라인 M" panose="02020600000000000000" pitchFamily="18" charset="-127"/>
                 <a:ea typeface="DX뷰티라인 M" panose="02020600000000000000" pitchFamily="18" charset="-127"/>
               </a:rPr>
-              <a:t>나를 지으신 주님</a:t>
+              <a:t>제목</a:t>
             </a:r>
           </a:p>
         </p:txBody>
@@ -3131,19 +3066,7 @@
                 <a:latin typeface="카페24 고운밤" pitchFamily="2" charset="-127"/>
                 <a:ea typeface="카페24 고운밤"/>
               </a:rPr>
-              <a:t>나를 지으신 주님 내 안에 계셔</a:t>
-            </a:r>
-          </a:p>
-          <a:p>
-            <a:pPr marL="0" indent="0">
-              <a:buNone/>
-            </a:pPr>
-            <a:r>
-              <a:rPr lang="ko-KR" altLang="en-US" sz="3400" b="1" dirty="0">
-                <a:latin typeface="카페24 고운밤" pitchFamily="2" charset="-127"/>
-                <a:ea typeface="카페24 고운밤" pitchFamily="2" charset="-127"/>
-              </a:rPr>
-              <a:t>처음부터 내 삶은 그에 손에 있었죠</a:t>
+              <a:t>가사</a:t>
             </a:r>
           </a:p>
         </p:txBody>
